--- a/2023-2024/Wykład/Wyklad1.pptx
+++ b/2023-2024/Wykład/Wyklad1.pptx
@@ -5,30 +5,29 @@
     <p:sldMasterId id="2147483696" r:id="rId1"/>
   </p:sldMasterIdLst>
   <p:notesMasterIdLst>
-    <p:notesMasterId r:id="rId20"/>
+    <p:notesMasterId r:id="rId19"/>
   </p:notesMasterIdLst>
   <p:handoutMasterIdLst>
-    <p:handoutMasterId r:id="rId21"/>
+    <p:handoutMasterId r:id="rId20"/>
   </p:handoutMasterIdLst>
   <p:sldIdLst>
     <p:sldId id="346" r:id="rId2"/>
     <p:sldId id="503" r:id="rId3"/>
     <p:sldId id="519" r:id="rId4"/>
     <p:sldId id="504" r:id="rId5"/>
-    <p:sldId id="505" r:id="rId6"/>
-    <p:sldId id="506" r:id="rId7"/>
+    <p:sldId id="506" r:id="rId6"/>
+    <p:sldId id="505" r:id="rId7"/>
     <p:sldId id="507" r:id="rId8"/>
     <p:sldId id="508" r:id="rId9"/>
     <p:sldId id="509" r:id="rId10"/>
     <p:sldId id="510" r:id="rId11"/>
     <p:sldId id="511" r:id="rId12"/>
-    <p:sldId id="512" r:id="rId13"/>
-    <p:sldId id="513" r:id="rId14"/>
-    <p:sldId id="514" r:id="rId15"/>
-    <p:sldId id="515" r:id="rId16"/>
-    <p:sldId id="516" r:id="rId17"/>
-    <p:sldId id="517" r:id="rId18"/>
-    <p:sldId id="518" r:id="rId19"/>
+    <p:sldId id="513" r:id="rId13"/>
+    <p:sldId id="514" r:id="rId14"/>
+    <p:sldId id="515" r:id="rId15"/>
+    <p:sldId id="516" r:id="rId16"/>
+    <p:sldId id="517" r:id="rId17"/>
+    <p:sldId id="518" r:id="rId18"/>
   </p:sldIdLst>
   <p:sldSz cx="9144000" cy="6858000" type="screen4x3"/>
   <p:notesSz cx="6858000" cy="9144000"/>
@@ -289,7 +288,7 @@
           <a:p>
             <a:fld id="{5113504E-0C99-2340-A5F6-DD6E1A87C372}" type="datetimeFigureOut">
               <a:rPr lang="pl-PL" smtClean="0"/>
-              <a:t>14.12.2023</a:t>
+              <a:t>19.02.2024</a:t>
             </a:fld>
             <a:endParaRPr lang="pl-PL"/>
           </a:p>
@@ -455,7 +454,7 @@
           <a:p>
             <a:fld id="{F78C933E-44E9-2D43-91B0-0D2BEEFA7EB9}" type="datetimeFigureOut">
               <a:rPr lang="pl-PL" smtClean="0"/>
-              <a:t>14.12.2023</a:t>
+              <a:t>19.02.2024</a:t>
             </a:fld>
             <a:endParaRPr lang="pl-PL"/>
           </a:p>
@@ -1058,7 +1057,7 @@
     </p:spTree>
     <p:extLst>
       <p:ext uri="{BB962C8B-B14F-4D97-AF65-F5344CB8AC3E}">
-        <p14:creationId xmlns:p14="http://schemas.microsoft.com/office/powerpoint/2010/main" val="2397103631"/>
+        <p14:creationId xmlns:p14="http://schemas.microsoft.com/office/powerpoint/2010/main" val="1569502789"/>
       </p:ext>
     </p:extLst>
   </p:cSld>
@@ -1145,7 +1144,7 @@
     </p:spTree>
     <p:extLst>
       <p:ext uri="{BB962C8B-B14F-4D97-AF65-F5344CB8AC3E}">
-        <p14:creationId xmlns:p14="http://schemas.microsoft.com/office/powerpoint/2010/main" val="1569502789"/>
+        <p14:creationId xmlns:p14="http://schemas.microsoft.com/office/powerpoint/2010/main" val="3796402815"/>
       </p:ext>
     </p:extLst>
   </p:cSld>
@@ -1232,7 +1231,7 @@
     </p:spTree>
     <p:extLst>
       <p:ext uri="{BB962C8B-B14F-4D97-AF65-F5344CB8AC3E}">
-        <p14:creationId xmlns:p14="http://schemas.microsoft.com/office/powerpoint/2010/main" val="3796402815"/>
+        <p14:creationId xmlns:p14="http://schemas.microsoft.com/office/powerpoint/2010/main" val="3946396536"/>
       </p:ext>
     </p:extLst>
   </p:cSld>
@@ -1319,7 +1318,7 @@
     </p:spTree>
     <p:extLst>
       <p:ext uri="{BB962C8B-B14F-4D97-AF65-F5344CB8AC3E}">
-        <p14:creationId xmlns:p14="http://schemas.microsoft.com/office/powerpoint/2010/main" val="3946396536"/>
+        <p14:creationId xmlns:p14="http://schemas.microsoft.com/office/powerpoint/2010/main" val="2033852360"/>
       </p:ext>
     </p:extLst>
   </p:cSld>
@@ -1406,7 +1405,7 @@
     </p:spTree>
     <p:extLst>
       <p:ext uri="{BB962C8B-B14F-4D97-AF65-F5344CB8AC3E}">
-        <p14:creationId xmlns:p14="http://schemas.microsoft.com/office/powerpoint/2010/main" val="2033852360"/>
+        <p14:creationId xmlns:p14="http://schemas.microsoft.com/office/powerpoint/2010/main" val="1179079117"/>
       </p:ext>
     </p:extLst>
   </p:cSld>
@@ -1485,93 +1484,6 @@
             <a:fld id="{79CE77F9-1A7F-B148-A0AA-5828300D10BC}" type="slidenum">
               <a:rPr lang="pl-PL" smtClean="0"/>
               <a:t>17</a:t>
-            </a:fld>
-            <a:endParaRPr lang="pl-PL"/>
-          </a:p>
-        </p:txBody>
-      </p:sp>
-    </p:spTree>
-    <p:extLst>
-      <p:ext uri="{BB962C8B-B14F-4D97-AF65-F5344CB8AC3E}">
-        <p14:creationId xmlns:p14="http://schemas.microsoft.com/office/powerpoint/2010/main" val="1179079117"/>
-      </p:ext>
-    </p:extLst>
-  </p:cSld>
-  <p:clrMapOvr>
-    <a:masterClrMapping/>
-  </p:clrMapOvr>
-</p:notes>
-</file>
-
-<file path=ppt/notesSlides/notesSlide18.xml><?xml version="1.0" encoding="utf-8"?>
-<p:notes xmlns:a="http://schemas.openxmlformats.org/drawingml/2006/main" xmlns:r="http://schemas.openxmlformats.org/officeDocument/2006/relationships" xmlns:p="http://schemas.openxmlformats.org/presentationml/2006/main">
-  <p:cSld>
-    <p:spTree>
-      <p:nvGrpSpPr>
-        <p:cNvPr id="1" name=""/>
-        <p:cNvGrpSpPr/>
-        <p:nvPr/>
-      </p:nvGrpSpPr>
-      <p:grpSpPr>
-        <a:xfrm>
-          <a:off x="0" y="0"/>
-          <a:ext cx="0" cy="0"/>
-          <a:chOff x="0" y="0"/>
-          <a:chExt cx="0" cy="0"/>
-        </a:xfrm>
-      </p:grpSpPr>
-      <p:sp>
-        <p:nvSpPr>
-          <p:cNvPr id="2" name="Slide Image Placeholder 1"/>
-          <p:cNvSpPr>
-            <a:spLocks noGrp="1" noRot="1" noChangeAspect="1"/>
-          </p:cNvSpPr>
-          <p:nvPr>
-            <p:ph type="sldImg"/>
-          </p:nvPr>
-        </p:nvSpPr>
-        <p:spPr/>
-      </p:sp>
-      <p:sp>
-        <p:nvSpPr>
-          <p:cNvPr id="3" name="Notes Placeholder 2"/>
-          <p:cNvSpPr>
-            <a:spLocks noGrp="1"/>
-          </p:cNvSpPr>
-          <p:nvPr>
-            <p:ph type="body" idx="1"/>
-          </p:nvPr>
-        </p:nvSpPr>
-        <p:spPr/>
-        <p:txBody>
-          <a:bodyPr/>
-          <a:lstStyle/>
-          <a:p>
-            <a:pPr rtl="0"/>
-            <a:endParaRPr lang="pl-PL" dirty="0">
-              <a:effectLst/>
-            </a:endParaRPr>
-          </a:p>
-        </p:txBody>
-      </p:sp>
-      <p:sp>
-        <p:nvSpPr>
-          <p:cNvPr id="4" name="Slide Number Placeholder 3"/>
-          <p:cNvSpPr>
-            <a:spLocks noGrp="1"/>
-          </p:cNvSpPr>
-          <p:nvPr>
-            <p:ph type="sldNum" sz="quarter" idx="10"/>
-          </p:nvPr>
-        </p:nvSpPr>
-        <p:spPr/>
-        <p:txBody>
-          <a:bodyPr/>
-          <a:lstStyle/>
-          <a:p>
-            <a:fld id="{79CE77F9-1A7F-B148-A0AA-5828300D10BC}" type="slidenum">
-              <a:rPr lang="pl-PL" smtClean="0"/>
-              <a:t>18</a:t>
             </a:fld>
             <a:endParaRPr lang="pl-PL"/>
           </a:p>
@@ -1928,7 +1840,7 @@
     </p:spTree>
     <p:extLst>
       <p:ext uri="{BB962C8B-B14F-4D97-AF65-F5344CB8AC3E}">
-        <p14:creationId xmlns:p14="http://schemas.microsoft.com/office/powerpoint/2010/main" val="3934539893"/>
+        <p14:creationId xmlns:p14="http://schemas.microsoft.com/office/powerpoint/2010/main" val="2197585344"/>
       </p:ext>
     </p:extLst>
   </p:cSld>
@@ -2015,7 +1927,7 @@
     </p:spTree>
     <p:extLst>
       <p:ext uri="{BB962C8B-B14F-4D97-AF65-F5344CB8AC3E}">
-        <p14:creationId xmlns:p14="http://schemas.microsoft.com/office/powerpoint/2010/main" val="2197585344"/>
+        <p14:creationId xmlns:p14="http://schemas.microsoft.com/office/powerpoint/2010/main" val="3934539893"/>
       </p:ext>
     </p:extLst>
   </p:cSld>
@@ -2465,7 +2377,7 @@
           <a:p>
             <a:fld id="{91017B01-0C30-B241-B19F-621BE4770608}" type="datetimeFigureOut">
               <a:rPr lang="pl-PL" smtClean="0"/>
-              <a:t>14.12.2023</a:t>
+              <a:t>19.02.2024</a:t>
             </a:fld>
             <a:endParaRPr lang="pl-PL"/>
           </a:p>
@@ -2634,7 +2546,7 @@
           <a:p>
             <a:fld id="{91017B01-0C30-B241-B19F-621BE4770608}" type="datetimeFigureOut">
               <a:rPr lang="pl-PL" smtClean="0"/>
-              <a:t>14.12.2023</a:t>
+              <a:t>19.02.2024</a:t>
             </a:fld>
             <a:endParaRPr lang="pl-PL"/>
           </a:p>
@@ -2813,7 +2725,7 @@
           <a:p>
             <a:fld id="{91017B01-0C30-B241-B19F-621BE4770608}" type="datetimeFigureOut">
               <a:rPr lang="pl-PL" smtClean="0"/>
-              <a:t>14.12.2023</a:t>
+              <a:t>19.02.2024</a:t>
             </a:fld>
             <a:endParaRPr lang="pl-PL"/>
           </a:p>
@@ -2982,7 +2894,7 @@
           <a:p>
             <a:fld id="{91017B01-0C30-B241-B19F-621BE4770608}" type="datetimeFigureOut">
               <a:rPr lang="pl-PL" smtClean="0"/>
-              <a:t>14.12.2023</a:t>
+              <a:t>19.02.2024</a:t>
             </a:fld>
             <a:endParaRPr lang="pl-PL"/>
           </a:p>
@@ -3228,7 +3140,7 @@
           <a:p>
             <a:fld id="{91017B01-0C30-B241-B19F-621BE4770608}" type="datetimeFigureOut">
               <a:rPr lang="pl-PL" smtClean="0"/>
-              <a:t>14.12.2023</a:t>
+              <a:t>19.02.2024</a:t>
             </a:fld>
             <a:endParaRPr lang="pl-PL"/>
           </a:p>
@@ -3514,7 +3426,7 @@
           <a:p>
             <a:fld id="{91017B01-0C30-B241-B19F-621BE4770608}" type="datetimeFigureOut">
               <a:rPr lang="pl-PL" smtClean="0"/>
-              <a:t>14.12.2023</a:t>
+              <a:t>19.02.2024</a:t>
             </a:fld>
             <a:endParaRPr lang="pl-PL"/>
           </a:p>
@@ -3934,7 +3846,7 @@
           <a:p>
             <a:fld id="{91017B01-0C30-B241-B19F-621BE4770608}" type="datetimeFigureOut">
               <a:rPr lang="pl-PL" smtClean="0"/>
-              <a:t>14.12.2023</a:t>
+              <a:t>19.02.2024</a:t>
             </a:fld>
             <a:endParaRPr lang="pl-PL"/>
           </a:p>
@@ -4052,7 +3964,7 @@
           <a:p>
             <a:fld id="{91017B01-0C30-B241-B19F-621BE4770608}" type="datetimeFigureOut">
               <a:rPr lang="pl-PL" smtClean="0"/>
-              <a:t>14.12.2023</a:t>
+              <a:t>19.02.2024</a:t>
             </a:fld>
             <a:endParaRPr lang="pl-PL"/>
           </a:p>
@@ -4148,7 +4060,7 @@
           <a:p>
             <a:fld id="{91017B01-0C30-B241-B19F-621BE4770608}" type="datetimeFigureOut">
               <a:rPr lang="pl-PL" smtClean="0"/>
-              <a:t>14.12.2023</a:t>
+              <a:t>19.02.2024</a:t>
             </a:fld>
             <a:endParaRPr lang="pl-PL"/>
           </a:p>
@@ -4425,7 +4337,7 @@
           <a:p>
             <a:fld id="{91017B01-0C30-B241-B19F-621BE4770608}" type="datetimeFigureOut">
               <a:rPr lang="pl-PL" smtClean="0"/>
-              <a:t>14.12.2023</a:t>
+              <a:t>19.02.2024</a:t>
             </a:fld>
             <a:endParaRPr lang="pl-PL"/>
           </a:p>
@@ -4681,7 +4593,7 @@
           <a:p>
             <a:fld id="{91017B01-0C30-B241-B19F-621BE4770608}" type="datetimeFigureOut">
               <a:rPr lang="pl-PL" smtClean="0"/>
-              <a:t>14.12.2023</a:t>
+              <a:t>19.02.2024</a:t>
             </a:fld>
             <a:endParaRPr lang="pl-PL"/>
           </a:p>
@@ -4893,7 +4805,7 @@
           <a:p>
             <a:fld id="{91017B01-0C30-B241-B19F-621BE4770608}" type="datetimeFigureOut">
               <a:rPr lang="pl-PL" smtClean="0"/>
-              <a:t>14.12.2023</a:t>
+              <a:t>19.02.2024</a:t>
             </a:fld>
             <a:endParaRPr lang="pl-PL"/>
           </a:p>
@@ -5896,8 +5808,27 @@
                 <a:ea typeface="Verdana" panose="020B0604030504040204" pitchFamily="34" charset="0"/>
                 <a:cs typeface="Verdana" panose="020B0604030504040204" pitchFamily="34" charset="0"/>
               </a:rPr>
-              <a:t>Java</a:t>
-            </a:r>
+              <a:t>Java – JRE/JDK </a:t>
+            </a:r>
+            <a:r>
+              <a:rPr lang="pl-PL" sz="2600" dirty="0" err="1">
+                <a:solidFill>
+                  <a:schemeClr val="bg1"/>
+                </a:solidFill>
+                <a:latin typeface="Verdana" panose="020B0604030504040204" pitchFamily="34" charset="0"/>
+                <a:ea typeface="Verdana" panose="020B0604030504040204" pitchFamily="34" charset="0"/>
+                <a:cs typeface="Verdana" panose="020B0604030504040204" pitchFamily="34" charset="0"/>
+              </a:rPr>
+              <a:t>Distributions</a:t>
+            </a:r>
+            <a:endParaRPr lang="pl-PL" sz="2600" dirty="0">
+              <a:solidFill>
+                <a:schemeClr val="bg1"/>
+              </a:solidFill>
+              <a:latin typeface="Verdana" panose="020B0604030504040204" pitchFamily="34" charset="0"/>
+              <a:ea typeface="Verdana" panose="020B0604030504040204" pitchFamily="34" charset="0"/>
+              <a:cs typeface="Verdana" panose="020B0604030504040204" pitchFamily="34" charset="0"/>
+            </a:endParaRPr>
           </a:p>
         </p:txBody>
       </p:sp>
@@ -5953,10 +5884,10 @@
       </p:sp>
       <p:pic>
         <p:nvPicPr>
-          <p:cNvPr id="7" name="Obraz 6">
+          <p:cNvPr id="5" name="Obraz 4">
             <a:extLst>
               <a:ext uri="{FF2B5EF4-FFF2-40B4-BE49-F238E27FC236}">
-                <a16:creationId xmlns:a16="http://schemas.microsoft.com/office/drawing/2014/main" id="{9C3336B6-03DB-4849-8609-E020BD0DA6C7}"/>
+                <a16:creationId xmlns:a16="http://schemas.microsoft.com/office/drawing/2014/main" id="{9A438FA4-F520-4CD9-A5D0-99B292CECA88}"/>
               </a:ext>
             </a:extLst>
           </p:cNvPr>
@@ -5973,8 +5904,8 @@
         </p:blipFill>
         <p:spPr>
           <a:xfrm>
-            <a:off x="107504" y="993241"/>
-            <a:ext cx="8772525" cy="5057775"/>
+            <a:off x="827584" y="908720"/>
+            <a:ext cx="7729995" cy="5434594"/>
           </a:xfrm>
           <a:prstGeom prst="rect">
             <a:avLst/>
@@ -5983,10 +5914,10 @@
       </p:pic>
       <p:sp>
         <p:nvSpPr>
-          <p:cNvPr id="10" name="pole tekstowe 9">
+          <p:cNvPr id="7" name="pole tekstowe 6">
             <a:extLst>
               <a:ext uri="{FF2B5EF4-FFF2-40B4-BE49-F238E27FC236}">
-                <a16:creationId xmlns:a16="http://schemas.microsoft.com/office/drawing/2014/main" id="{63474EEC-D98B-4A99-982A-C8E66A4F9955}"/>
+                <a16:creationId xmlns:a16="http://schemas.microsoft.com/office/drawing/2014/main" id="{713EF971-B0DD-48E2-A328-176E7DEAFFBA}"/>
               </a:ext>
             </a:extLst>
           </p:cNvPr>
@@ -5995,8 +5926,8 @@
         </p:nvSpPr>
         <p:spPr>
           <a:xfrm>
-            <a:off x="2411760" y="6206645"/>
-            <a:ext cx="4622292" cy="461665"/>
+            <a:off x="2843808" y="6415322"/>
+            <a:ext cx="4622292" cy="276999"/>
           </a:xfrm>
           <a:prstGeom prst="rect">
             <a:avLst/>
@@ -6015,7 +5946,7 @@
                   <a:schemeClr val="bg1"/>
                 </a:solidFill>
               </a:rPr>
-              <a:t>https://newrelic.com/resources/report/2022-state-of-java-ecosystem</a:t>
+              <a:t>https://www.jrebel.com/blog/2021-java-technology-report</a:t>
             </a:r>
           </a:p>
         </p:txBody>
@@ -6023,7 +5954,7 @@
     </p:spTree>
     <p:extLst>
       <p:ext uri="{BB962C8B-B14F-4D97-AF65-F5344CB8AC3E}">
-        <p14:creationId xmlns:p14="http://schemas.microsoft.com/office/powerpoint/2010/main" val="1288374539"/>
+        <p14:creationId xmlns:p14="http://schemas.microsoft.com/office/powerpoint/2010/main" val="415097213"/>
       </p:ext>
     </p:extLst>
   </p:cSld>
@@ -6093,27 +6024,8 @@
                 <a:ea typeface="Verdana" panose="020B0604030504040204" pitchFamily="34" charset="0"/>
                 <a:cs typeface="Verdana" panose="020B0604030504040204" pitchFamily="34" charset="0"/>
               </a:rPr>
-              <a:t>Java – JRE/JDK </a:t>
-            </a:r>
-            <a:r>
-              <a:rPr lang="pl-PL" sz="2600" dirty="0" err="1">
-                <a:solidFill>
-                  <a:schemeClr val="bg1"/>
-                </a:solidFill>
-                <a:latin typeface="Verdana" panose="020B0604030504040204" pitchFamily="34" charset="0"/>
-                <a:ea typeface="Verdana" panose="020B0604030504040204" pitchFamily="34" charset="0"/>
-                <a:cs typeface="Verdana" panose="020B0604030504040204" pitchFamily="34" charset="0"/>
-              </a:rPr>
-              <a:t>Distributions</a:t>
-            </a:r>
-            <a:endParaRPr lang="pl-PL" sz="2600" dirty="0">
-              <a:solidFill>
-                <a:schemeClr val="bg1"/>
-              </a:solidFill>
-              <a:latin typeface="Verdana" panose="020B0604030504040204" pitchFamily="34" charset="0"/>
-              <a:ea typeface="Verdana" panose="020B0604030504040204" pitchFamily="34" charset="0"/>
-              <a:cs typeface="Verdana" panose="020B0604030504040204" pitchFamily="34" charset="0"/>
-            </a:endParaRPr>
+              <a:t>Java</a:t>
+            </a:r>
           </a:p>
         </p:txBody>
       </p:sp>
@@ -6167,42 +6079,12 @@
           </a:p>
         </p:txBody>
       </p:sp>
-      <p:pic>
-        <p:nvPicPr>
-          <p:cNvPr id="5" name="Obraz 4">
+      <p:sp>
+        <p:nvSpPr>
+          <p:cNvPr id="7" name="TextBox 1">
             <a:extLst>
               <a:ext uri="{FF2B5EF4-FFF2-40B4-BE49-F238E27FC236}">
-                <a16:creationId xmlns:a16="http://schemas.microsoft.com/office/drawing/2014/main" id="{9A438FA4-F520-4CD9-A5D0-99B292CECA88}"/>
-              </a:ext>
-            </a:extLst>
-          </p:cNvPr>
-          <p:cNvPicPr>
-            <a:picLocks noChangeAspect="1"/>
-          </p:cNvPicPr>
-          <p:nvPr/>
-        </p:nvPicPr>
-        <p:blipFill>
-          <a:blip r:embed="rId4"/>
-          <a:stretch>
-            <a:fillRect/>
-          </a:stretch>
-        </p:blipFill>
-        <p:spPr>
-          <a:xfrm>
-            <a:off x="827584" y="908720"/>
-            <a:ext cx="7729995" cy="5434594"/>
-          </a:xfrm>
-          <a:prstGeom prst="rect">
-            <a:avLst/>
-          </a:prstGeom>
-        </p:spPr>
-      </p:pic>
-      <p:sp>
-        <p:nvSpPr>
-          <p:cNvPr id="7" name="pole tekstowe 6">
-            <a:extLst>
-              <a:ext uri="{FF2B5EF4-FFF2-40B4-BE49-F238E27FC236}">
-                <a16:creationId xmlns:a16="http://schemas.microsoft.com/office/drawing/2014/main" id="{713EF971-B0DD-48E2-A328-176E7DEAFFBA}"/>
+                <a16:creationId xmlns:a16="http://schemas.microsoft.com/office/drawing/2014/main" id="{4F847D94-AACF-4C4F-B7B3-12C06B88138B}"/>
               </a:ext>
             </a:extLst>
           </p:cNvPr>
@@ -6211,8 +6093,8 @@
         </p:nvSpPr>
         <p:spPr>
           <a:xfrm>
-            <a:off x="2843808" y="6415322"/>
-            <a:ext cx="4622292" cy="276999"/>
+            <a:off x="539552" y="1052736"/>
+            <a:ext cx="8172400" cy="5262979"/>
           </a:xfrm>
           <a:prstGeom prst="rect">
             <a:avLst/>
@@ -6220,18 +6102,162 @@
           <a:noFill/>
         </p:spPr>
         <p:txBody>
-          <a:bodyPr wrap="square">
+          <a:bodyPr wrap="square" rtlCol="0">
             <a:spAutoFit/>
           </a:bodyPr>
           <a:lstStyle/>
           <a:p>
-            <a:r>
-              <a:rPr lang="pl-PL" dirty="0">
-                <a:solidFill>
-                  <a:schemeClr val="bg1"/>
-                </a:solidFill>
-              </a:rPr>
-              <a:t>https://www.jrebel.com/blog/2021-java-technology-report</a:t>
+            <a:pPr marL="342900" indent="-342900">
+              <a:buFont typeface="Arial" panose="020B0604020202020204" pitchFamily="34" charset="0"/>
+              <a:buChar char="•"/>
+            </a:pPr>
+            <a:r>
+              <a:rPr lang="pl-PL" sz="2400" dirty="0">
+                <a:solidFill>
+                  <a:schemeClr val="bg1"/>
+                </a:solidFill>
+              </a:rPr>
+              <a:t>Niektóre podobieństwa do C/C++</a:t>
+            </a:r>
+          </a:p>
+          <a:p>
+            <a:pPr marL="800100" lvl="1" indent="-342900">
+              <a:buFont typeface="Arial" panose="020B0604020202020204" pitchFamily="34" charset="0"/>
+              <a:buChar char="•"/>
+            </a:pPr>
+            <a:r>
+              <a:rPr lang="pl-PL" sz="2400" dirty="0">
+                <a:solidFill>
+                  <a:schemeClr val="bg1"/>
+                </a:solidFill>
+              </a:rPr>
+              <a:t>Styl pisania komentarzy</a:t>
+            </a:r>
+          </a:p>
+          <a:p>
+            <a:pPr marL="800100" lvl="1" indent="-342900">
+              <a:buFont typeface="Arial" panose="020B0604020202020204" pitchFamily="34" charset="0"/>
+              <a:buChar char="•"/>
+            </a:pPr>
+            <a:r>
+              <a:rPr lang="pl-PL" sz="2400" dirty="0">
+                <a:solidFill>
+                  <a:schemeClr val="bg1"/>
+                </a:solidFill>
+              </a:rPr>
+              <a:t>Wiele słów kluczowych jest identycznych</a:t>
+            </a:r>
+          </a:p>
+          <a:p>
+            <a:pPr marL="800100" lvl="1" indent="-342900">
+              <a:buFont typeface="Arial" panose="020B0604020202020204" pitchFamily="34" charset="0"/>
+              <a:buChar char="•"/>
+            </a:pPr>
+            <a:r>
+              <a:rPr lang="pl-PL" sz="2400" dirty="0">
+                <a:solidFill>
+                  <a:schemeClr val="bg1"/>
+                </a:solidFill>
+              </a:rPr>
+              <a:t>Typy danych</a:t>
+            </a:r>
+          </a:p>
+          <a:p>
+            <a:pPr marL="800100" lvl="1" indent="-342900">
+              <a:buFont typeface="Arial" panose="020B0604020202020204" pitchFamily="34" charset="0"/>
+              <a:buChar char="•"/>
+            </a:pPr>
+            <a:r>
+              <a:rPr lang="pl-PL" sz="2400" dirty="0">
+                <a:solidFill>
+                  <a:schemeClr val="bg1"/>
+                </a:solidFill>
+              </a:rPr>
+              <a:t>Niemal identyczna struktura kodu</a:t>
+            </a:r>
+          </a:p>
+          <a:p>
+            <a:pPr marL="342900" indent="-342900">
+              <a:buFont typeface="Arial" panose="020B0604020202020204" pitchFamily="34" charset="0"/>
+              <a:buChar char="•"/>
+            </a:pPr>
+            <a:r>
+              <a:rPr lang="pl-PL" sz="2400" dirty="0">
+                <a:solidFill>
+                  <a:schemeClr val="bg1"/>
+                </a:solidFill>
+              </a:rPr>
+              <a:t>Niektóre różnice</a:t>
+            </a:r>
+          </a:p>
+          <a:p>
+            <a:pPr marL="800100" lvl="1" indent="-342900">
+              <a:buFont typeface="Arial" panose="020B0604020202020204" pitchFamily="34" charset="0"/>
+              <a:buChar char="•"/>
+            </a:pPr>
+            <a:r>
+              <a:rPr lang="pl-PL" sz="2400" dirty="0">
+                <a:solidFill>
+                  <a:schemeClr val="bg1"/>
+                </a:solidFill>
+              </a:rPr>
+              <a:t>Java wprowadza wiele słów kluczowych nieznanych z C/C++</a:t>
+            </a:r>
+          </a:p>
+          <a:p>
+            <a:pPr marL="800100" lvl="1" indent="-342900">
+              <a:buFont typeface="Arial" panose="020B0604020202020204" pitchFamily="34" charset="0"/>
+              <a:buChar char="•"/>
+            </a:pPr>
+            <a:r>
+              <a:rPr lang="pl-PL" sz="2400" dirty="0">
+                <a:solidFill>
+                  <a:schemeClr val="bg1"/>
+                </a:solidFill>
+              </a:rPr>
+              <a:t>Występują operatory nieznane w C/C++</a:t>
+            </a:r>
+          </a:p>
+          <a:p>
+            <a:pPr marL="800100" lvl="1" indent="-342900">
+              <a:buFont typeface="Arial" panose="020B0604020202020204" pitchFamily="34" charset="0"/>
+              <a:buChar char="•"/>
+            </a:pPr>
+            <a:r>
+              <a:rPr lang="pl-PL" sz="2400" dirty="0">
+                <a:solidFill>
+                  <a:schemeClr val="bg1"/>
+                </a:solidFill>
+              </a:rPr>
+              <a:t>Nie występuje przeciążanie operatorów</a:t>
+            </a:r>
+          </a:p>
+          <a:p>
+            <a:pPr marL="800100" lvl="1" indent="-342900">
+              <a:buFont typeface="Arial" panose="020B0604020202020204" pitchFamily="34" charset="0"/>
+              <a:buChar char="•"/>
+            </a:pPr>
+            <a:r>
+              <a:rPr lang="pl-PL" sz="2400" dirty="0">
+                <a:solidFill>
+                  <a:schemeClr val="bg1"/>
+                </a:solidFill>
+              </a:rPr>
+              <a:t>Brak niektórych cech języka np. wskaźniki</a:t>
+            </a:r>
+          </a:p>
+          <a:p>
+            <a:pPr marL="800100" lvl="1" indent="-342900">
+              <a:buFont typeface="Arial" panose="020B0604020202020204" pitchFamily="34" charset="0"/>
+              <a:buChar char="•"/>
+            </a:pPr>
+            <a:r>
+              <a:rPr lang="pl-PL" sz="2400" dirty="0">
+                <a:solidFill>
+                  <a:schemeClr val="bg1"/>
+                </a:solidFill>
+              </a:rPr>
+              <a:t>Niektóre cechy języka są zmodyfikowane w porównaniu do C/C++ - pętle musza być kontrolowane przez wyrażenia logiczne</a:t>
             </a:r>
           </a:p>
         </p:txBody>
@@ -6239,7 +6265,7 @@
     </p:spTree>
     <p:extLst>
       <p:ext uri="{BB962C8B-B14F-4D97-AF65-F5344CB8AC3E}">
-        <p14:creationId xmlns:p14="http://schemas.microsoft.com/office/powerpoint/2010/main" val="415097213"/>
+        <p14:creationId xmlns:p14="http://schemas.microsoft.com/office/powerpoint/2010/main" val="851261723"/>
       </p:ext>
     </p:extLst>
   </p:cSld>
@@ -6309,7 +6335,7 @@
                 <a:ea typeface="Verdana" panose="020B0604030504040204" pitchFamily="34" charset="0"/>
                 <a:cs typeface="Verdana" panose="020B0604030504040204" pitchFamily="34" charset="0"/>
               </a:rPr>
-              <a:t>Java</a:t>
+              <a:t>Kotlin</a:t>
             </a:r>
           </a:p>
         </p:txBody>
@@ -6366,10 +6392,10 @@
       </p:sp>
       <p:sp>
         <p:nvSpPr>
-          <p:cNvPr id="7" name="TextBox 1">
+          <p:cNvPr id="8" name="TextBox 1">
             <a:extLst>
               <a:ext uri="{FF2B5EF4-FFF2-40B4-BE49-F238E27FC236}">
-                <a16:creationId xmlns:a16="http://schemas.microsoft.com/office/drawing/2014/main" id="{4F847D94-AACF-4C4F-B7B3-12C06B88138B}"/>
+                <a16:creationId xmlns:a16="http://schemas.microsoft.com/office/drawing/2014/main" id="{1AB35A18-EB6A-49A9-A227-52DE8F1EF9EC}"/>
               </a:ext>
             </a:extLst>
           </p:cNvPr>
@@ -6378,8 +6404,8 @@
         </p:nvSpPr>
         <p:spPr>
           <a:xfrm>
-            <a:off x="539552" y="1052736"/>
-            <a:ext cx="8172400" cy="5262979"/>
+            <a:off x="251520" y="1412776"/>
+            <a:ext cx="8172400" cy="4154984"/>
           </a:xfrm>
           <a:prstGeom prst="rect">
             <a:avLst/>
@@ -6402,7 +6428,7 @@
                   <a:schemeClr val="bg1"/>
                 </a:solidFill>
               </a:rPr>
-              <a:t>Niektóre podobieństwa do C/C++</a:t>
+              <a:t>Cechy języka</a:t>
             </a:r>
           </a:p>
           <a:p>
@@ -6416,7 +6442,7 @@
                   <a:schemeClr val="bg1"/>
                 </a:solidFill>
               </a:rPr>
-              <a:t>Styl pisania komentarzy</a:t>
+              <a:t>Statyczne typowanie danych – na etapie kompilacji typy wyrażeń są znane a kompilator sprawdza czy istnieją pola i metody w obiektach do których odwołujemy się w kodzie</a:t>
             </a:r>
           </a:p>
           <a:p>
@@ -6430,7 +6456,7 @@
                   <a:schemeClr val="bg1"/>
                 </a:solidFill>
               </a:rPr>
-              <a:t>Wiele słów kluczowych jest identycznych</a:t>
+              <a:t>Domniemanie typów – typ danych jest określany przez kompilator na podstawie kontekstu</a:t>
             </a:r>
           </a:p>
           <a:p>
@@ -6444,8 +6470,21 @@
                   <a:schemeClr val="bg1"/>
                 </a:solidFill>
               </a:rPr>
-              <a:t>Typy danych</a:t>
-            </a:r>
+              <a:t>Typy </a:t>
+            </a:r>
+            <a:r>
+              <a:rPr lang="pl-PL" sz="2400" dirty="0" err="1">
+                <a:solidFill>
+                  <a:schemeClr val="bg1"/>
+                </a:solidFill>
+              </a:rPr>
+              <a:t>zerowalne</a:t>
+            </a:r>
+            <a:endParaRPr lang="pl-PL" sz="2400" dirty="0">
+              <a:solidFill>
+                <a:schemeClr val="bg1"/>
+              </a:solidFill>
+            </a:endParaRPr>
           </a:p>
           <a:p>
             <a:pPr marL="800100" lvl="1" indent="-342900">
@@ -6458,21 +6497,7 @@
                   <a:schemeClr val="bg1"/>
                 </a:solidFill>
               </a:rPr>
-              <a:t>Niemal identyczna struktura kodu</a:t>
-            </a:r>
-          </a:p>
-          <a:p>
-            <a:pPr marL="342900" indent="-342900">
-              <a:buFont typeface="Arial" panose="020B0604020202020204" pitchFamily="34" charset="0"/>
-              <a:buChar char="•"/>
-            </a:pPr>
-            <a:r>
-              <a:rPr lang="pl-PL" sz="2400" dirty="0">
-                <a:solidFill>
-                  <a:schemeClr val="bg1"/>
-                </a:solidFill>
-              </a:rPr>
-              <a:t>Niektóre różnice</a:t>
+              <a:t>Typy funkcyjne</a:t>
             </a:r>
           </a:p>
           <a:p>
@@ -6486,7 +6511,7 @@
                   <a:schemeClr val="bg1"/>
                 </a:solidFill>
               </a:rPr>
-              <a:t>Java wprowadza wiele słów kluczowych nieznanych z C/C++</a:t>
+              <a:t>Klasy danych</a:t>
             </a:r>
           </a:p>
           <a:p>
@@ -6500,49 +6525,7 @@
                   <a:schemeClr val="bg1"/>
                 </a:solidFill>
               </a:rPr>
-              <a:t>Występują operatory nieznane w C/C++</a:t>
-            </a:r>
-          </a:p>
-          <a:p>
-            <a:pPr marL="800100" lvl="1" indent="-342900">
-              <a:buFont typeface="Arial" panose="020B0604020202020204" pitchFamily="34" charset="0"/>
-              <a:buChar char="•"/>
-            </a:pPr>
-            <a:r>
-              <a:rPr lang="pl-PL" sz="2400" dirty="0">
-                <a:solidFill>
-                  <a:schemeClr val="bg1"/>
-                </a:solidFill>
-              </a:rPr>
-              <a:t>Nie występuje przeciążanie operatorów</a:t>
-            </a:r>
-          </a:p>
-          <a:p>
-            <a:pPr marL="800100" lvl="1" indent="-342900">
-              <a:buFont typeface="Arial" panose="020B0604020202020204" pitchFamily="34" charset="0"/>
-              <a:buChar char="•"/>
-            </a:pPr>
-            <a:r>
-              <a:rPr lang="pl-PL" sz="2400" dirty="0">
-                <a:solidFill>
-                  <a:schemeClr val="bg1"/>
-                </a:solidFill>
-              </a:rPr>
-              <a:t>Brak niektórych cech języka np. wskaźniki</a:t>
-            </a:r>
-          </a:p>
-          <a:p>
-            <a:pPr marL="800100" lvl="1" indent="-342900">
-              <a:buFont typeface="Arial" panose="020B0604020202020204" pitchFamily="34" charset="0"/>
-              <a:buChar char="•"/>
-            </a:pPr>
-            <a:r>
-              <a:rPr lang="pl-PL" sz="2400" dirty="0">
-                <a:solidFill>
-                  <a:schemeClr val="bg1"/>
-                </a:solidFill>
-              </a:rPr>
-              <a:t>Niektóre cechy języka są zmodyfikowane w porównaniu do C/C++ - pętle musza być kontrolowane przez wyrażenia logiczne</a:t>
+              <a:t>Można łączyć programowanie obiektowe i funkcyjne</a:t>
             </a:r>
           </a:p>
         </p:txBody>
@@ -6550,7 +6533,7 @@
     </p:spTree>
     <p:extLst>
       <p:ext uri="{BB962C8B-B14F-4D97-AF65-F5344CB8AC3E}">
-        <p14:creationId xmlns:p14="http://schemas.microsoft.com/office/powerpoint/2010/main" val="851261723"/>
+        <p14:creationId xmlns:p14="http://schemas.microsoft.com/office/powerpoint/2010/main" val="1085902210"/>
       </p:ext>
     </p:extLst>
   </p:cSld>
@@ -6620,7 +6603,7 @@
                 <a:ea typeface="Verdana" panose="020B0604030504040204" pitchFamily="34" charset="0"/>
                 <a:cs typeface="Verdana" panose="020B0604030504040204" pitchFamily="34" charset="0"/>
               </a:rPr>
-              <a:t>Kotlin</a:t>
+              <a:t>Kotlin vs Java</a:t>
             </a:r>
           </a:p>
         </p:txBody>
@@ -6689,274 +6672,6 @@
         </p:nvSpPr>
         <p:spPr>
           <a:xfrm>
-            <a:off x="251520" y="1412776"/>
-            <a:ext cx="8172400" cy="4154984"/>
-          </a:xfrm>
-          <a:prstGeom prst="rect">
-            <a:avLst/>
-          </a:prstGeom>
-          <a:noFill/>
-        </p:spPr>
-        <p:txBody>
-          <a:bodyPr wrap="square" rtlCol="0">
-            <a:spAutoFit/>
-          </a:bodyPr>
-          <a:lstStyle/>
-          <a:p>
-            <a:pPr marL="342900" indent="-342900">
-              <a:buFont typeface="Arial" panose="020B0604020202020204" pitchFamily="34" charset="0"/>
-              <a:buChar char="•"/>
-            </a:pPr>
-            <a:r>
-              <a:rPr lang="pl-PL" sz="2400" dirty="0">
-                <a:solidFill>
-                  <a:schemeClr val="bg1"/>
-                </a:solidFill>
-              </a:rPr>
-              <a:t>Cechy języka</a:t>
-            </a:r>
-          </a:p>
-          <a:p>
-            <a:pPr marL="800100" lvl="1" indent="-342900">
-              <a:buFont typeface="Arial" panose="020B0604020202020204" pitchFamily="34" charset="0"/>
-              <a:buChar char="•"/>
-            </a:pPr>
-            <a:r>
-              <a:rPr lang="pl-PL" sz="2400" dirty="0">
-                <a:solidFill>
-                  <a:schemeClr val="bg1"/>
-                </a:solidFill>
-              </a:rPr>
-              <a:t>Statyczne typowanie danych – na etapie kompilacji typy wyrażeń są znane a kompilator sprawdza czy istnieją pola i metody w obiektach do których odwołujemy się w kodzie</a:t>
-            </a:r>
-          </a:p>
-          <a:p>
-            <a:pPr marL="800100" lvl="1" indent="-342900">
-              <a:buFont typeface="Arial" panose="020B0604020202020204" pitchFamily="34" charset="0"/>
-              <a:buChar char="•"/>
-            </a:pPr>
-            <a:r>
-              <a:rPr lang="pl-PL" sz="2400" dirty="0">
-                <a:solidFill>
-                  <a:schemeClr val="bg1"/>
-                </a:solidFill>
-              </a:rPr>
-              <a:t>Domniemanie typów – typ danych jest określany przez kompilator na podstawie kontekstu</a:t>
-            </a:r>
-          </a:p>
-          <a:p>
-            <a:pPr marL="800100" lvl="1" indent="-342900">
-              <a:buFont typeface="Arial" panose="020B0604020202020204" pitchFamily="34" charset="0"/>
-              <a:buChar char="•"/>
-            </a:pPr>
-            <a:r>
-              <a:rPr lang="pl-PL" sz="2400" dirty="0">
-                <a:solidFill>
-                  <a:schemeClr val="bg1"/>
-                </a:solidFill>
-              </a:rPr>
-              <a:t>Typy </a:t>
-            </a:r>
-            <a:r>
-              <a:rPr lang="pl-PL" sz="2400" dirty="0" err="1">
-                <a:solidFill>
-                  <a:schemeClr val="bg1"/>
-                </a:solidFill>
-              </a:rPr>
-              <a:t>zerowalne</a:t>
-            </a:r>
-            <a:endParaRPr lang="pl-PL" sz="2400" dirty="0">
-              <a:solidFill>
-                <a:schemeClr val="bg1"/>
-              </a:solidFill>
-            </a:endParaRPr>
-          </a:p>
-          <a:p>
-            <a:pPr marL="800100" lvl="1" indent="-342900">
-              <a:buFont typeface="Arial" panose="020B0604020202020204" pitchFamily="34" charset="0"/>
-              <a:buChar char="•"/>
-            </a:pPr>
-            <a:r>
-              <a:rPr lang="pl-PL" sz="2400" dirty="0">
-                <a:solidFill>
-                  <a:schemeClr val="bg1"/>
-                </a:solidFill>
-              </a:rPr>
-              <a:t>Typy funkcyjne</a:t>
-            </a:r>
-          </a:p>
-          <a:p>
-            <a:pPr marL="800100" lvl="1" indent="-342900">
-              <a:buFont typeface="Arial" panose="020B0604020202020204" pitchFamily="34" charset="0"/>
-              <a:buChar char="•"/>
-            </a:pPr>
-            <a:r>
-              <a:rPr lang="pl-PL" sz="2400" dirty="0">
-                <a:solidFill>
-                  <a:schemeClr val="bg1"/>
-                </a:solidFill>
-              </a:rPr>
-              <a:t>Klasy danych</a:t>
-            </a:r>
-          </a:p>
-          <a:p>
-            <a:pPr marL="800100" lvl="1" indent="-342900">
-              <a:buFont typeface="Arial" panose="020B0604020202020204" pitchFamily="34" charset="0"/>
-              <a:buChar char="•"/>
-            </a:pPr>
-            <a:r>
-              <a:rPr lang="pl-PL" sz="2400" dirty="0">
-                <a:solidFill>
-                  <a:schemeClr val="bg1"/>
-                </a:solidFill>
-              </a:rPr>
-              <a:t>Można łączyć programowanie obiektowe i funkcyjne</a:t>
-            </a:r>
-          </a:p>
-        </p:txBody>
-      </p:sp>
-    </p:spTree>
-    <p:extLst>
-      <p:ext uri="{BB962C8B-B14F-4D97-AF65-F5344CB8AC3E}">
-        <p14:creationId xmlns:p14="http://schemas.microsoft.com/office/powerpoint/2010/main" val="1085902210"/>
-      </p:ext>
-    </p:extLst>
-  </p:cSld>
-  <p:clrMapOvr>
-    <a:masterClrMapping/>
-  </p:clrMapOvr>
-</p:sld>
-</file>
-
-<file path=ppt/slides/slide16.xml><?xml version="1.0" encoding="utf-8"?>
-<p:sld xmlns:a="http://schemas.openxmlformats.org/drawingml/2006/main" xmlns:r="http://schemas.openxmlformats.org/officeDocument/2006/relationships" xmlns:p="http://schemas.openxmlformats.org/presentationml/2006/main">
-  <p:cSld>
-    <p:bg>
-      <p:bgPr>
-        <a:blipFill dpi="0" rotWithShape="0">
-          <a:blip r:embed="rId3" cstate="print"/>
-          <a:srcRect/>
-          <a:stretch>
-            <a:fillRect/>
-          </a:stretch>
-        </a:blipFill>
-        <a:effectLst/>
-      </p:bgPr>
-    </p:bg>
-    <p:spTree>
-      <p:nvGrpSpPr>
-        <p:cNvPr id="1" name=""/>
-        <p:cNvGrpSpPr/>
-        <p:nvPr/>
-      </p:nvGrpSpPr>
-      <p:grpSpPr>
-        <a:xfrm>
-          <a:off x="0" y="0"/>
-          <a:ext cx="0" cy="0"/>
-          <a:chOff x="0" y="0"/>
-          <a:chExt cx="0" cy="0"/>
-        </a:xfrm>
-      </p:grpSpPr>
-      <p:sp>
-        <p:nvSpPr>
-          <p:cNvPr id="2" name="Rectangle 1"/>
-          <p:cNvSpPr/>
-          <p:nvPr/>
-        </p:nvSpPr>
-        <p:spPr>
-          <a:xfrm>
-            <a:off x="1979712" y="188640"/>
-            <a:ext cx="6696744" cy="492443"/>
-          </a:xfrm>
-          <a:prstGeom prst="rect">
-            <a:avLst/>
-          </a:prstGeom>
-        </p:spPr>
-        <p:txBody>
-          <a:bodyPr wrap="square">
-            <a:spAutoFit/>
-          </a:bodyPr>
-          <a:lstStyle/>
-          <a:p>
-            <a:pPr algn="ctr"/>
-            <a:r>
-              <a:rPr lang="pl-PL" sz="2600" dirty="0">
-                <a:solidFill>
-                  <a:schemeClr val="bg1"/>
-                </a:solidFill>
-                <a:latin typeface="Verdana" panose="020B0604030504040204" pitchFamily="34" charset="0"/>
-                <a:ea typeface="Verdana" panose="020B0604030504040204" pitchFamily="34" charset="0"/>
-                <a:cs typeface="Verdana" panose="020B0604030504040204" pitchFamily="34" charset="0"/>
-              </a:rPr>
-              <a:t>Kotlin vs Java</a:t>
-            </a:r>
-          </a:p>
-        </p:txBody>
-      </p:sp>
-      <p:sp>
-        <p:nvSpPr>
-          <p:cNvPr id="6" name="Prostokąt 5">
-            <a:extLst>
-              <a:ext uri="{FF2B5EF4-FFF2-40B4-BE49-F238E27FC236}">
-                <a16:creationId xmlns:a16="http://schemas.microsoft.com/office/drawing/2014/main" id="{CA41B780-B57E-411C-AAD5-3D3D6912F664}"/>
-              </a:ext>
-            </a:extLst>
-          </p:cNvPr>
-          <p:cNvSpPr/>
-          <p:nvPr/>
-        </p:nvSpPr>
-        <p:spPr>
-          <a:xfrm>
-            <a:off x="0" y="836712"/>
-            <a:ext cx="9144000" cy="6021288"/>
-          </a:xfrm>
-          <a:prstGeom prst="rect">
-            <a:avLst/>
-          </a:prstGeom>
-          <a:solidFill>
-            <a:schemeClr val="tx1">
-              <a:lumMod val="75000"/>
-              <a:lumOff val="25000"/>
-            </a:schemeClr>
-          </a:solidFill>
-        </p:spPr>
-        <p:style>
-          <a:lnRef idx="1">
-            <a:schemeClr val="accent1"/>
-          </a:lnRef>
-          <a:fillRef idx="3">
-            <a:schemeClr val="accent1"/>
-          </a:fillRef>
-          <a:effectRef idx="2">
-            <a:schemeClr val="accent1"/>
-          </a:effectRef>
-          <a:fontRef idx="minor">
-            <a:schemeClr val="lt1"/>
-          </a:fontRef>
-        </p:style>
-        <p:txBody>
-          <a:bodyPr rtlCol="0" anchor="ctr"/>
-          <a:lstStyle/>
-          <a:p>
-            <a:pPr algn="ctr"/>
-            <a:endParaRPr lang="pl-PL"/>
-          </a:p>
-        </p:txBody>
-      </p:sp>
-      <p:sp>
-        <p:nvSpPr>
-          <p:cNvPr id="8" name="TextBox 1">
-            <a:extLst>
-              <a:ext uri="{FF2B5EF4-FFF2-40B4-BE49-F238E27FC236}">
-                <a16:creationId xmlns:a16="http://schemas.microsoft.com/office/drawing/2014/main" id="{1AB35A18-EB6A-49A9-A227-52DE8F1EF9EC}"/>
-              </a:ext>
-            </a:extLst>
-          </p:cNvPr>
-          <p:cNvSpPr txBox="1"/>
-          <p:nvPr/>
-        </p:nvSpPr>
-        <p:spPr>
-          <a:xfrm>
             <a:off x="485800" y="1268760"/>
             <a:ext cx="8172400" cy="5009833"/>
           </a:xfrm>
@@ -7342,7 +7057,7 @@
 </p:sld>
 </file>
 
-<file path=ppt/slides/slide17.xml><?xml version="1.0" encoding="utf-8"?>
+<file path=ppt/slides/slide16.xml><?xml version="1.0" encoding="utf-8"?>
 <p:sld xmlns:a="http://schemas.openxmlformats.org/drawingml/2006/main" xmlns:r="http://schemas.openxmlformats.org/officeDocument/2006/relationships" xmlns:p="http://schemas.openxmlformats.org/presentationml/2006/main">
   <p:cSld>
     <p:bg>
@@ -7568,7 +7283,7 @@
 </p:sld>
 </file>
 
-<file path=ppt/slides/slide18.xml><?xml version="1.0" encoding="utf-8"?>
+<file path=ppt/slides/slide17.xml><?xml version="1.0" encoding="utf-8"?>
 <p:sld xmlns:a="http://schemas.openxmlformats.org/drawingml/2006/main" xmlns:r="http://schemas.openxmlformats.org/officeDocument/2006/relationships" xmlns:p="http://schemas.openxmlformats.org/presentationml/2006/main">
   <p:cSld>
     <p:bg>
@@ -8322,7 +8037,7 @@
         <p:spPr>
           <a:xfrm>
             <a:off x="3491881" y="3707448"/>
-            <a:ext cx="5184576" cy="461665"/>
+            <a:ext cx="5184576" cy="1200329"/>
           </a:xfrm>
           <a:prstGeom prst="rect">
             <a:avLst/>
@@ -8343,6 +8058,28 @@
                 </a:solidFill>
               </a:rPr>
               <a:t>Konsultacje:</a:t>
+            </a:r>
+          </a:p>
+          <a:p>
+            <a:pPr algn="just"/>
+            <a:r>
+              <a:rPr lang="pl-PL" sz="2400" dirty="0">
+                <a:solidFill>
+                  <a:schemeClr val="bg1"/>
+                </a:solidFill>
+              </a:rPr>
+              <a:t>Wtorek: 12.30 – 13.30</a:t>
+            </a:r>
+          </a:p>
+          <a:p>
+            <a:pPr algn="just"/>
+            <a:r>
+              <a:rPr lang="pl-PL" sz="2400" dirty="0">
+                <a:solidFill>
+                  <a:schemeClr val="bg1"/>
+                </a:solidFill>
+              </a:rPr>
+              <a:t>Środa: 12.00 – 13.00</a:t>
             </a:r>
           </a:p>
         </p:txBody>
@@ -8537,7 +8274,7 @@
                 <a:latin typeface="Times New Roman" panose="02020603050405020304" pitchFamily="18" charset="0"/>
                 <a:cs typeface="Times New Roman" panose="02020603050405020304" pitchFamily="18" charset="0"/>
               </a:rPr>
-              <a:t>Na zajęcia przewidzianych jest 8 list zadań</a:t>
+              <a:t>Na zajęcia przewidzianych jest 7 list zadań</a:t>
             </a:r>
             <a:endParaRPr lang="pl-PL" sz="1800" dirty="0">
               <a:solidFill>
@@ -8733,7 +8470,7 @@
                 <a:latin typeface="Times New Roman" panose="02020603050405020304" pitchFamily="18" charset="0"/>
                 <a:cs typeface="Times New Roman" panose="02020603050405020304" pitchFamily="18" charset="0"/>
               </a:rPr>
-              <a:t>Poprawa list jest możliwa pod warunkami uzyskania co najmniej 30% punktów i oddania listy w terminie</a:t>
+              <a:t>Poprawa list jest możliwa pod warunkami uzyskania co najmniej 50% punktów i oddania listy w terminie</a:t>
             </a:r>
             <a:endParaRPr lang="pl-PL" sz="1800" dirty="0">
               <a:solidFill>
@@ -8857,6 +8594,478 @@
                 <a:ea typeface="Verdana" panose="020B0604030504040204" pitchFamily="34" charset="0"/>
                 <a:cs typeface="Verdana" panose="020B0604030504040204" pitchFamily="34" charset="0"/>
               </a:rPr>
+              <a:t>Treści Programowe</a:t>
+            </a:r>
+          </a:p>
+        </p:txBody>
+      </p:sp>
+      <p:sp>
+        <p:nvSpPr>
+          <p:cNvPr id="6" name="Prostokąt 5">
+            <a:extLst>
+              <a:ext uri="{FF2B5EF4-FFF2-40B4-BE49-F238E27FC236}">
+                <a16:creationId xmlns:a16="http://schemas.microsoft.com/office/drawing/2014/main" id="{CA41B780-B57E-411C-AAD5-3D3D6912F664}"/>
+              </a:ext>
+            </a:extLst>
+          </p:cNvPr>
+          <p:cNvSpPr/>
+          <p:nvPr/>
+        </p:nvSpPr>
+        <p:spPr>
+          <a:xfrm>
+            <a:off x="970062" y="836712"/>
+            <a:ext cx="8172400" cy="6021288"/>
+          </a:xfrm>
+          <a:prstGeom prst="rect">
+            <a:avLst/>
+          </a:prstGeom>
+          <a:solidFill>
+            <a:schemeClr val="tx1">
+              <a:lumMod val="75000"/>
+              <a:lumOff val="25000"/>
+            </a:schemeClr>
+          </a:solidFill>
+        </p:spPr>
+        <p:style>
+          <a:lnRef idx="1">
+            <a:schemeClr val="accent1"/>
+          </a:lnRef>
+          <a:fillRef idx="3">
+            <a:schemeClr val="accent1"/>
+          </a:fillRef>
+          <a:effectRef idx="2">
+            <a:schemeClr val="accent1"/>
+          </a:effectRef>
+          <a:fontRef idx="minor">
+            <a:schemeClr val="lt1"/>
+          </a:fontRef>
+        </p:style>
+        <p:txBody>
+          <a:bodyPr rtlCol="0" anchor="ctr"/>
+          <a:lstStyle/>
+          <a:p>
+            <a:pPr algn="ctr"/>
+            <a:endParaRPr lang="pl-PL"/>
+          </a:p>
+        </p:txBody>
+      </p:sp>
+      <p:sp>
+        <p:nvSpPr>
+          <p:cNvPr id="7" name="pole tekstowe 6">
+            <a:extLst>
+              <a:ext uri="{FF2B5EF4-FFF2-40B4-BE49-F238E27FC236}">
+                <a16:creationId xmlns:a16="http://schemas.microsoft.com/office/drawing/2014/main" id="{2F467DBE-3D30-473E-A461-81CA88D2033B}"/>
+              </a:ext>
+            </a:extLst>
+          </p:cNvPr>
+          <p:cNvSpPr txBox="1"/>
+          <p:nvPr/>
+        </p:nvSpPr>
+        <p:spPr>
+          <a:xfrm>
+            <a:off x="2329097" y="862314"/>
+            <a:ext cx="5832648" cy="5469190"/>
+          </a:xfrm>
+          <a:prstGeom prst="rect">
+            <a:avLst/>
+          </a:prstGeom>
+          <a:noFill/>
+        </p:spPr>
+        <p:txBody>
+          <a:bodyPr wrap="square">
+            <a:spAutoFit/>
+          </a:bodyPr>
+          <a:lstStyle/>
+          <a:p>
+            <a:pPr marL="342900" lvl="0" indent="-342900">
+              <a:lnSpc>
+                <a:spcPct val="200000"/>
+              </a:lnSpc>
+              <a:spcAft>
+                <a:spcPts val="600"/>
+              </a:spcAft>
+              <a:buFont typeface="+mj-lt"/>
+              <a:buAutoNum type="arabicPeriod"/>
+              <a:tabLst>
+                <a:tab pos="91440" algn="l"/>
+              </a:tabLst>
+            </a:pPr>
+            <a:r>
+              <a:rPr lang="pl-PL" sz="1800" b="1" kern="150" dirty="0">
+                <a:solidFill>
+                  <a:schemeClr val="bg1"/>
+                </a:solidFill>
+                <a:effectLst/>
+                <a:latin typeface="+mj-lt"/>
+                <a:ea typeface="OpenSymbol"/>
+                <a:cs typeface="Verdana, Verdana"/>
+              </a:rPr>
+              <a:t> </a:t>
+            </a:r>
+            <a:r>
+              <a:rPr lang="pl-PL" sz="2000" b="1" kern="150" dirty="0">
+                <a:solidFill>
+                  <a:schemeClr val="bg1"/>
+                </a:solidFill>
+                <a:effectLst/>
+                <a:latin typeface="+mj-lt"/>
+                <a:ea typeface="OpenSymbol"/>
+                <a:cs typeface="Verdana, Verdana"/>
+              </a:rPr>
+              <a:t>Porównanie języków Java i Kotlin</a:t>
+            </a:r>
+            <a:endParaRPr lang="pl-PL" sz="2000" kern="150" dirty="0">
+              <a:solidFill>
+                <a:schemeClr val="bg1"/>
+              </a:solidFill>
+              <a:effectLst/>
+              <a:latin typeface="+mj-lt"/>
+              <a:ea typeface="OpenSymbol"/>
+              <a:cs typeface="OpenSymbol"/>
+            </a:endParaRPr>
+          </a:p>
+          <a:p>
+            <a:pPr marL="342900" lvl="0" indent="-342900">
+              <a:lnSpc>
+                <a:spcPct val="200000"/>
+              </a:lnSpc>
+              <a:spcAft>
+                <a:spcPts val="600"/>
+              </a:spcAft>
+              <a:buFont typeface="+mj-lt"/>
+              <a:buAutoNum type="arabicPeriod"/>
+              <a:tabLst>
+                <a:tab pos="91440" algn="l"/>
+              </a:tabLst>
+            </a:pPr>
+            <a:r>
+              <a:rPr lang="pl-PL" sz="2000" b="1" kern="150" dirty="0">
+                <a:solidFill>
+                  <a:schemeClr val="bg1"/>
+                </a:solidFill>
+                <a:effectLst/>
+                <a:latin typeface="+mj-lt"/>
+                <a:ea typeface="OpenSymbol"/>
+                <a:cs typeface="Verdana, Verdana"/>
+              </a:rPr>
+              <a:t>Typy danych</a:t>
+            </a:r>
+            <a:endParaRPr lang="pl-PL" sz="2000" kern="150" dirty="0">
+              <a:solidFill>
+                <a:schemeClr val="bg1"/>
+              </a:solidFill>
+              <a:effectLst/>
+              <a:latin typeface="+mj-lt"/>
+              <a:ea typeface="OpenSymbol"/>
+              <a:cs typeface="OpenSymbol"/>
+            </a:endParaRPr>
+          </a:p>
+          <a:p>
+            <a:pPr marL="342900" lvl="0" indent="-342900">
+              <a:lnSpc>
+                <a:spcPct val="200000"/>
+              </a:lnSpc>
+              <a:spcAft>
+                <a:spcPts val="600"/>
+              </a:spcAft>
+              <a:buFont typeface="+mj-lt"/>
+              <a:buAutoNum type="arabicPeriod"/>
+              <a:tabLst>
+                <a:tab pos="91440" algn="l"/>
+              </a:tabLst>
+            </a:pPr>
+            <a:r>
+              <a:rPr lang="pl-PL" sz="2000" b="1" kern="150" dirty="0">
+                <a:solidFill>
+                  <a:schemeClr val="bg1"/>
+                </a:solidFill>
+                <a:effectLst/>
+                <a:latin typeface="+mj-lt"/>
+                <a:ea typeface="OpenSymbol"/>
+                <a:cs typeface="Verdana, Verdana"/>
+              </a:rPr>
+              <a:t>Wyrażenia, instrukcje, pętle</a:t>
+            </a:r>
+            <a:endParaRPr lang="pl-PL" sz="2000" kern="150" dirty="0">
+              <a:solidFill>
+                <a:schemeClr val="bg1"/>
+              </a:solidFill>
+              <a:effectLst/>
+              <a:latin typeface="+mj-lt"/>
+              <a:ea typeface="OpenSymbol"/>
+              <a:cs typeface="OpenSymbol"/>
+            </a:endParaRPr>
+          </a:p>
+          <a:p>
+            <a:pPr marL="342900" lvl="0" indent="-342900">
+              <a:lnSpc>
+                <a:spcPct val="200000"/>
+              </a:lnSpc>
+              <a:spcAft>
+                <a:spcPts val="600"/>
+              </a:spcAft>
+              <a:buFont typeface="+mj-lt"/>
+              <a:buAutoNum type="arabicPeriod"/>
+              <a:tabLst>
+                <a:tab pos="91440" algn="l"/>
+              </a:tabLst>
+            </a:pPr>
+            <a:r>
+              <a:rPr lang="pl-PL" sz="2000" b="1" kern="150" dirty="0">
+                <a:solidFill>
+                  <a:schemeClr val="bg1"/>
+                </a:solidFill>
+                <a:effectLst/>
+                <a:latin typeface="+mj-lt"/>
+                <a:ea typeface="OpenSymbol"/>
+                <a:cs typeface="Verdana, Verdana"/>
+              </a:rPr>
+              <a:t>Funkcje</a:t>
+            </a:r>
+            <a:endParaRPr lang="pl-PL" sz="2000" kern="150" dirty="0">
+              <a:solidFill>
+                <a:schemeClr val="bg1"/>
+              </a:solidFill>
+              <a:effectLst/>
+              <a:latin typeface="+mj-lt"/>
+              <a:ea typeface="OpenSymbol"/>
+              <a:cs typeface="OpenSymbol"/>
+            </a:endParaRPr>
+          </a:p>
+          <a:p>
+            <a:pPr marL="342900" lvl="0" indent="-342900">
+              <a:lnSpc>
+                <a:spcPct val="200000"/>
+              </a:lnSpc>
+              <a:spcAft>
+                <a:spcPts val="600"/>
+              </a:spcAft>
+              <a:buFont typeface="+mj-lt"/>
+              <a:buAutoNum type="arabicPeriod"/>
+              <a:tabLst>
+                <a:tab pos="91440" algn="l"/>
+              </a:tabLst>
+            </a:pPr>
+            <a:r>
+              <a:rPr lang="pl-PL" sz="2000" b="1" kern="150" dirty="0">
+                <a:solidFill>
+                  <a:schemeClr val="bg1"/>
+                </a:solidFill>
+                <a:effectLst/>
+                <a:latin typeface="+mj-lt"/>
+                <a:ea typeface="OpenSymbol"/>
+                <a:cs typeface="Verdana, Verdana"/>
+              </a:rPr>
+              <a:t>Klasy, obiekty</a:t>
+            </a:r>
+            <a:endParaRPr lang="pl-PL" sz="2000" kern="150" dirty="0">
+              <a:solidFill>
+                <a:schemeClr val="bg1"/>
+              </a:solidFill>
+              <a:effectLst/>
+              <a:latin typeface="+mj-lt"/>
+              <a:ea typeface="OpenSymbol"/>
+              <a:cs typeface="OpenSymbol"/>
+            </a:endParaRPr>
+          </a:p>
+          <a:p>
+            <a:pPr marL="342900" lvl="0" indent="-342900">
+              <a:lnSpc>
+                <a:spcPct val="200000"/>
+              </a:lnSpc>
+              <a:spcAft>
+                <a:spcPts val="600"/>
+              </a:spcAft>
+              <a:buFont typeface="+mj-lt"/>
+              <a:buAutoNum type="arabicPeriod"/>
+              <a:tabLst>
+                <a:tab pos="91440" algn="l"/>
+              </a:tabLst>
+            </a:pPr>
+            <a:r>
+              <a:rPr lang="pl-PL" sz="2000" b="1" kern="150" dirty="0">
+                <a:solidFill>
+                  <a:schemeClr val="bg1"/>
+                </a:solidFill>
+                <a:effectLst/>
+                <a:latin typeface="+mj-lt"/>
+                <a:ea typeface="OpenSymbol"/>
+                <a:cs typeface="Verdana, Verdana"/>
+              </a:rPr>
+              <a:t>Interfejsy </a:t>
+            </a:r>
+            <a:endParaRPr lang="pl-PL" sz="2000" kern="150" dirty="0">
+              <a:solidFill>
+                <a:schemeClr val="bg1"/>
+              </a:solidFill>
+              <a:effectLst/>
+              <a:latin typeface="+mj-lt"/>
+              <a:ea typeface="OpenSymbol"/>
+              <a:cs typeface="OpenSymbol"/>
+            </a:endParaRPr>
+          </a:p>
+          <a:p>
+            <a:pPr marL="342900" lvl="0" indent="-342900">
+              <a:lnSpc>
+                <a:spcPct val="200000"/>
+              </a:lnSpc>
+              <a:spcAft>
+                <a:spcPts val="600"/>
+              </a:spcAft>
+              <a:buFont typeface="+mj-lt"/>
+              <a:buAutoNum type="arabicPeriod"/>
+              <a:tabLst>
+                <a:tab pos="91440" algn="l"/>
+              </a:tabLst>
+            </a:pPr>
+            <a:r>
+              <a:rPr lang="pl-PL" sz="2000" b="1" kern="150" dirty="0">
+                <a:solidFill>
+                  <a:schemeClr val="bg1"/>
+                </a:solidFill>
+                <a:effectLst/>
+                <a:latin typeface="+mj-lt"/>
+                <a:ea typeface="OpenSymbol"/>
+                <a:cs typeface="Verdana, Verdana"/>
+              </a:rPr>
+              <a:t>Wielowątkowość</a:t>
+            </a:r>
+            <a:endParaRPr lang="pl-PL" sz="2000" kern="150" dirty="0">
+              <a:solidFill>
+                <a:schemeClr val="bg1"/>
+              </a:solidFill>
+              <a:effectLst/>
+              <a:latin typeface="+mj-lt"/>
+              <a:ea typeface="OpenSymbol"/>
+              <a:cs typeface="OpenSymbol"/>
+            </a:endParaRPr>
+          </a:p>
+          <a:p>
+            <a:pPr marL="342900" indent="-342900">
+              <a:lnSpc>
+                <a:spcPct val="200000"/>
+              </a:lnSpc>
+              <a:buFont typeface="+mj-lt"/>
+              <a:buAutoNum type="arabicPeriod"/>
+            </a:pPr>
+            <a:r>
+              <a:rPr lang="en-US" sz="2000" b="1" dirty="0" err="1">
+                <a:solidFill>
+                  <a:schemeClr val="bg1"/>
+                </a:solidFill>
+                <a:effectLst/>
+                <a:latin typeface="+mj-lt"/>
+                <a:ea typeface="Droid Sans Fallback"/>
+                <a:cs typeface="Verdana, Verdana"/>
+              </a:rPr>
+              <a:t>Wzorce</a:t>
+            </a:r>
+            <a:r>
+              <a:rPr lang="en-US" sz="2000" b="1" dirty="0">
+                <a:solidFill>
+                  <a:schemeClr val="bg1"/>
+                </a:solidFill>
+                <a:effectLst/>
+                <a:latin typeface="+mj-lt"/>
+                <a:ea typeface="Droid Sans Fallback"/>
+                <a:cs typeface="Verdana, Verdana"/>
+              </a:rPr>
+              <a:t> </a:t>
+            </a:r>
+            <a:r>
+              <a:rPr lang="en-US" sz="2000" b="1" dirty="0" err="1">
+                <a:solidFill>
+                  <a:schemeClr val="bg1"/>
+                </a:solidFill>
+                <a:effectLst/>
+                <a:latin typeface="+mj-lt"/>
+                <a:ea typeface="Droid Sans Fallback"/>
+                <a:cs typeface="Verdana, Verdana"/>
+              </a:rPr>
+              <a:t>projektowe</a:t>
+            </a:r>
+            <a:endParaRPr lang="pl-PL" sz="1800" dirty="0">
+              <a:solidFill>
+                <a:schemeClr val="bg1"/>
+              </a:solidFill>
+              <a:latin typeface="+mj-lt"/>
+            </a:endParaRPr>
+          </a:p>
+        </p:txBody>
+      </p:sp>
+    </p:spTree>
+    <p:extLst>
+      <p:ext uri="{BB962C8B-B14F-4D97-AF65-F5344CB8AC3E}">
+        <p14:creationId xmlns:p14="http://schemas.microsoft.com/office/powerpoint/2010/main" val="4009683948"/>
+      </p:ext>
+    </p:extLst>
+  </p:cSld>
+  <p:clrMapOvr>
+    <a:masterClrMapping/>
+  </p:clrMapOvr>
+</p:sld>
+</file>
+
+<file path=ppt/slides/slide6.xml><?xml version="1.0" encoding="utf-8"?>
+<p:sld xmlns:a="http://schemas.openxmlformats.org/drawingml/2006/main" xmlns:r="http://schemas.openxmlformats.org/officeDocument/2006/relationships" xmlns:p="http://schemas.openxmlformats.org/presentationml/2006/main">
+  <p:cSld>
+    <p:bg>
+      <p:bgPr>
+        <a:blipFill dpi="0" rotWithShape="0">
+          <a:blip r:embed="rId3" cstate="print"/>
+          <a:srcRect/>
+          <a:stretch>
+            <a:fillRect/>
+          </a:stretch>
+        </a:blipFill>
+        <a:effectLst/>
+      </p:bgPr>
+    </p:bg>
+    <p:spTree>
+      <p:nvGrpSpPr>
+        <p:cNvPr id="1" name=""/>
+        <p:cNvGrpSpPr/>
+        <p:nvPr/>
+      </p:nvGrpSpPr>
+      <p:grpSpPr>
+        <a:xfrm>
+          <a:off x="0" y="0"/>
+          <a:ext cx="0" cy="0"/>
+          <a:chOff x="0" y="0"/>
+          <a:chExt cx="0" cy="0"/>
+        </a:xfrm>
+      </p:grpSpPr>
+      <p:sp>
+        <p:nvSpPr>
+          <p:cNvPr id="2" name="Rectangle 1"/>
+          <p:cNvSpPr/>
+          <p:nvPr/>
+        </p:nvSpPr>
+        <p:spPr>
+          <a:xfrm>
+            <a:off x="1979712" y="188640"/>
+            <a:ext cx="6696744" cy="492443"/>
+          </a:xfrm>
+          <a:prstGeom prst="rect">
+            <a:avLst/>
+          </a:prstGeom>
+        </p:spPr>
+        <p:txBody>
+          <a:bodyPr wrap="square">
+            <a:spAutoFit/>
+          </a:bodyPr>
+          <a:lstStyle/>
+          <a:p>
+            <a:pPr algn="ctr"/>
+            <a:r>
+              <a:rPr lang="pl-PL" sz="2600" dirty="0">
+                <a:solidFill>
+                  <a:schemeClr val="bg1"/>
+                </a:solidFill>
+                <a:latin typeface="Verdana" panose="020B0604030504040204" pitchFamily="34" charset="0"/>
+                <a:ea typeface="Verdana" panose="020B0604030504040204" pitchFamily="34" charset="0"/>
+                <a:cs typeface="Verdana" panose="020B0604030504040204" pitchFamily="34" charset="0"/>
+              </a:rPr>
               <a:t>Wstęp</a:t>
             </a:r>
           </a:p>
@@ -8963,478 +9172,6 @@
     <p:extLst>
       <p:ext uri="{BB962C8B-B14F-4D97-AF65-F5344CB8AC3E}">
         <p14:creationId xmlns:p14="http://schemas.microsoft.com/office/powerpoint/2010/main" val="3241265824"/>
-      </p:ext>
-    </p:extLst>
-  </p:cSld>
-  <p:clrMapOvr>
-    <a:masterClrMapping/>
-  </p:clrMapOvr>
-</p:sld>
-</file>
-
-<file path=ppt/slides/slide6.xml><?xml version="1.0" encoding="utf-8"?>
-<p:sld xmlns:a="http://schemas.openxmlformats.org/drawingml/2006/main" xmlns:r="http://schemas.openxmlformats.org/officeDocument/2006/relationships" xmlns:p="http://schemas.openxmlformats.org/presentationml/2006/main">
-  <p:cSld>
-    <p:bg>
-      <p:bgPr>
-        <a:blipFill dpi="0" rotWithShape="0">
-          <a:blip r:embed="rId3" cstate="print"/>
-          <a:srcRect/>
-          <a:stretch>
-            <a:fillRect/>
-          </a:stretch>
-        </a:blipFill>
-        <a:effectLst/>
-      </p:bgPr>
-    </p:bg>
-    <p:spTree>
-      <p:nvGrpSpPr>
-        <p:cNvPr id="1" name=""/>
-        <p:cNvGrpSpPr/>
-        <p:nvPr/>
-      </p:nvGrpSpPr>
-      <p:grpSpPr>
-        <a:xfrm>
-          <a:off x="0" y="0"/>
-          <a:ext cx="0" cy="0"/>
-          <a:chOff x="0" y="0"/>
-          <a:chExt cx="0" cy="0"/>
-        </a:xfrm>
-      </p:grpSpPr>
-      <p:sp>
-        <p:nvSpPr>
-          <p:cNvPr id="2" name="Rectangle 1"/>
-          <p:cNvSpPr/>
-          <p:nvPr/>
-        </p:nvSpPr>
-        <p:spPr>
-          <a:xfrm>
-            <a:off x="1979712" y="188640"/>
-            <a:ext cx="6696744" cy="492443"/>
-          </a:xfrm>
-          <a:prstGeom prst="rect">
-            <a:avLst/>
-          </a:prstGeom>
-        </p:spPr>
-        <p:txBody>
-          <a:bodyPr wrap="square">
-            <a:spAutoFit/>
-          </a:bodyPr>
-          <a:lstStyle/>
-          <a:p>
-            <a:pPr algn="ctr"/>
-            <a:r>
-              <a:rPr lang="pl-PL" sz="2600" dirty="0">
-                <a:solidFill>
-                  <a:schemeClr val="bg1"/>
-                </a:solidFill>
-                <a:latin typeface="Verdana" panose="020B0604030504040204" pitchFamily="34" charset="0"/>
-                <a:ea typeface="Verdana" panose="020B0604030504040204" pitchFamily="34" charset="0"/>
-                <a:cs typeface="Verdana" panose="020B0604030504040204" pitchFamily="34" charset="0"/>
-              </a:rPr>
-              <a:t>Treści Programowe</a:t>
-            </a:r>
-          </a:p>
-        </p:txBody>
-      </p:sp>
-      <p:sp>
-        <p:nvSpPr>
-          <p:cNvPr id="6" name="Prostokąt 5">
-            <a:extLst>
-              <a:ext uri="{FF2B5EF4-FFF2-40B4-BE49-F238E27FC236}">
-                <a16:creationId xmlns:a16="http://schemas.microsoft.com/office/drawing/2014/main" id="{CA41B780-B57E-411C-AAD5-3D3D6912F664}"/>
-              </a:ext>
-            </a:extLst>
-          </p:cNvPr>
-          <p:cNvSpPr/>
-          <p:nvPr/>
-        </p:nvSpPr>
-        <p:spPr>
-          <a:xfrm>
-            <a:off x="970062" y="836712"/>
-            <a:ext cx="8172400" cy="6021288"/>
-          </a:xfrm>
-          <a:prstGeom prst="rect">
-            <a:avLst/>
-          </a:prstGeom>
-          <a:solidFill>
-            <a:schemeClr val="tx1">
-              <a:lumMod val="75000"/>
-              <a:lumOff val="25000"/>
-            </a:schemeClr>
-          </a:solidFill>
-        </p:spPr>
-        <p:style>
-          <a:lnRef idx="1">
-            <a:schemeClr val="accent1"/>
-          </a:lnRef>
-          <a:fillRef idx="3">
-            <a:schemeClr val="accent1"/>
-          </a:fillRef>
-          <a:effectRef idx="2">
-            <a:schemeClr val="accent1"/>
-          </a:effectRef>
-          <a:fontRef idx="minor">
-            <a:schemeClr val="lt1"/>
-          </a:fontRef>
-        </p:style>
-        <p:txBody>
-          <a:bodyPr rtlCol="0" anchor="ctr"/>
-          <a:lstStyle/>
-          <a:p>
-            <a:pPr algn="ctr"/>
-            <a:endParaRPr lang="pl-PL"/>
-          </a:p>
-        </p:txBody>
-      </p:sp>
-      <p:sp>
-        <p:nvSpPr>
-          <p:cNvPr id="7" name="pole tekstowe 6">
-            <a:extLst>
-              <a:ext uri="{FF2B5EF4-FFF2-40B4-BE49-F238E27FC236}">
-                <a16:creationId xmlns:a16="http://schemas.microsoft.com/office/drawing/2014/main" id="{2F467DBE-3D30-473E-A461-81CA88D2033B}"/>
-              </a:ext>
-            </a:extLst>
-          </p:cNvPr>
-          <p:cNvSpPr txBox="1"/>
-          <p:nvPr/>
-        </p:nvSpPr>
-        <p:spPr>
-          <a:xfrm>
-            <a:off x="2329097" y="862314"/>
-            <a:ext cx="5832648" cy="5469190"/>
-          </a:xfrm>
-          <a:prstGeom prst="rect">
-            <a:avLst/>
-          </a:prstGeom>
-          <a:noFill/>
-        </p:spPr>
-        <p:txBody>
-          <a:bodyPr wrap="square">
-            <a:spAutoFit/>
-          </a:bodyPr>
-          <a:lstStyle/>
-          <a:p>
-            <a:pPr marL="342900" lvl="0" indent="-342900">
-              <a:lnSpc>
-                <a:spcPct val="200000"/>
-              </a:lnSpc>
-              <a:spcAft>
-                <a:spcPts val="600"/>
-              </a:spcAft>
-              <a:buFont typeface="+mj-lt"/>
-              <a:buAutoNum type="arabicPeriod"/>
-              <a:tabLst>
-                <a:tab pos="91440" algn="l"/>
-              </a:tabLst>
-            </a:pPr>
-            <a:r>
-              <a:rPr lang="pl-PL" sz="1800" b="1" kern="150" dirty="0">
-                <a:solidFill>
-                  <a:schemeClr val="bg1"/>
-                </a:solidFill>
-                <a:effectLst/>
-                <a:latin typeface="+mj-lt"/>
-                <a:ea typeface="OpenSymbol"/>
-                <a:cs typeface="Verdana, Verdana"/>
-              </a:rPr>
-              <a:t> </a:t>
-            </a:r>
-            <a:r>
-              <a:rPr lang="pl-PL" sz="2000" b="1" kern="150" dirty="0">
-                <a:solidFill>
-                  <a:schemeClr val="bg1"/>
-                </a:solidFill>
-                <a:effectLst/>
-                <a:latin typeface="+mj-lt"/>
-                <a:ea typeface="OpenSymbol"/>
-                <a:cs typeface="Verdana, Verdana"/>
-              </a:rPr>
-              <a:t>Porównanie języków Java i Kotlin</a:t>
-            </a:r>
-            <a:endParaRPr lang="pl-PL" sz="2000" kern="150" dirty="0">
-              <a:solidFill>
-                <a:schemeClr val="bg1"/>
-              </a:solidFill>
-              <a:effectLst/>
-              <a:latin typeface="+mj-lt"/>
-              <a:ea typeface="OpenSymbol"/>
-              <a:cs typeface="OpenSymbol"/>
-            </a:endParaRPr>
-          </a:p>
-          <a:p>
-            <a:pPr marL="342900" lvl="0" indent="-342900">
-              <a:lnSpc>
-                <a:spcPct val="200000"/>
-              </a:lnSpc>
-              <a:spcAft>
-                <a:spcPts val="600"/>
-              </a:spcAft>
-              <a:buFont typeface="+mj-lt"/>
-              <a:buAutoNum type="arabicPeriod"/>
-              <a:tabLst>
-                <a:tab pos="91440" algn="l"/>
-              </a:tabLst>
-            </a:pPr>
-            <a:r>
-              <a:rPr lang="pl-PL" sz="2000" b="1" kern="150" dirty="0">
-                <a:solidFill>
-                  <a:schemeClr val="bg1"/>
-                </a:solidFill>
-                <a:effectLst/>
-                <a:latin typeface="+mj-lt"/>
-                <a:ea typeface="OpenSymbol"/>
-                <a:cs typeface="Verdana, Verdana"/>
-              </a:rPr>
-              <a:t>Typy danych</a:t>
-            </a:r>
-            <a:endParaRPr lang="pl-PL" sz="2000" kern="150" dirty="0">
-              <a:solidFill>
-                <a:schemeClr val="bg1"/>
-              </a:solidFill>
-              <a:effectLst/>
-              <a:latin typeface="+mj-lt"/>
-              <a:ea typeface="OpenSymbol"/>
-              <a:cs typeface="OpenSymbol"/>
-            </a:endParaRPr>
-          </a:p>
-          <a:p>
-            <a:pPr marL="342900" lvl="0" indent="-342900">
-              <a:lnSpc>
-                <a:spcPct val="200000"/>
-              </a:lnSpc>
-              <a:spcAft>
-                <a:spcPts val="600"/>
-              </a:spcAft>
-              <a:buFont typeface="+mj-lt"/>
-              <a:buAutoNum type="arabicPeriod"/>
-              <a:tabLst>
-                <a:tab pos="91440" algn="l"/>
-              </a:tabLst>
-            </a:pPr>
-            <a:r>
-              <a:rPr lang="pl-PL" sz="2000" b="1" kern="150" dirty="0">
-                <a:solidFill>
-                  <a:schemeClr val="bg1"/>
-                </a:solidFill>
-                <a:effectLst/>
-                <a:latin typeface="+mj-lt"/>
-                <a:ea typeface="OpenSymbol"/>
-                <a:cs typeface="Verdana, Verdana"/>
-              </a:rPr>
-              <a:t>Wyrażenia, instrukcje, pętle</a:t>
-            </a:r>
-            <a:endParaRPr lang="pl-PL" sz="2000" kern="150" dirty="0">
-              <a:solidFill>
-                <a:schemeClr val="bg1"/>
-              </a:solidFill>
-              <a:effectLst/>
-              <a:latin typeface="+mj-lt"/>
-              <a:ea typeface="OpenSymbol"/>
-              <a:cs typeface="OpenSymbol"/>
-            </a:endParaRPr>
-          </a:p>
-          <a:p>
-            <a:pPr marL="342900" lvl="0" indent="-342900">
-              <a:lnSpc>
-                <a:spcPct val="200000"/>
-              </a:lnSpc>
-              <a:spcAft>
-                <a:spcPts val="600"/>
-              </a:spcAft>
-              <a:buFont typeface="+mj-lt"/>
-              <a:buAutoNum type="arabicPeriod"/>
-              <a:tabLst>
-                <a:tab pos="91440" algn="l"/>
-              </a:tabLst>
-            </a:pPr>
-            <a:r>
-              <a:rPr lang="pl-PL" sz="2000" b="1" kern="150" dirty="0">
-                <a:solidFill>
-                  <a:schemeClr val="bg1"/>
-                </a:solidFill>
-                <a:effectLst/>
-                <a:latin typeface="+mj-lt"/>
-                <a:ea typeface="OpenSymbol"/>
-                <a:cs typeface="Verdana, Verdana"/>
-              </a:rPr>
-              <a:t>Funkcje</a:t>
-            </a:r>
-            <a:endParaRPr lang="pl-PL" sz="2000" kern="150" dirty="0">
-              <a:solidFill>
-                <a:schemeClr val="bg1"/>
-              </a:solidFill>
-              <a:effectLst/>
-              <a:latin typeface="+mj-lt"/>
-              <a:ea typeface="OpenSymbol"/>
-              <a:cs typeface="OpenSymbol"/>
-            </a:endParaRPr>
-          </a:p>
-          <a:p>
-            <a:pPr marL="342900" lvl="0" indent="-342900">
-              <a:lnSpc>
-                <a:spcPct val="200000"/>
-              </a:lnSpc>
-              <a:spcAft>
-                <a:spcPts val="600"/>
-              </a:spcAft>
-              <a:buFont typeface="+mj-lt"/>
-              <a:buAutoNum type="arabicPeriod"/>
-              <a:tabLst>
-                <a:tab pos="91440" algn="l"/>
-              </a:tabLst>
-            </a:pPr>
-            <a:r>
-              <a:rPr lang="pl-PL" sz="2000" b="1" kern="150" dirty="0">
-                <a:solidFill>
-                  <a:schemeClr val="bg1"/>
-                </a:solidFill>
-                <a:effectLst/>
-                <a:latin typeface="+mj-lt"/>
-                <a:ea typeface="OpenSymbol"/>
-                <a:cs typeface="Verdana, Verdana"/>
-              </a:rPr>
-              <a:t>Klasy, obiekty</a:t>
-            </a:r>
-            <a:endParaRPr lang="pl-PL" sz="2000" kern="150" dirty="0">
-              <a:solidFill>
-                <a:schemeClr val="bg1"/>
-              </a:solidFill>
-              <a:effectLst/>
-              <a:latin typeface="+mj-lt"/>
-              <a:ea typeface="OpenSymbol"/>
-              <a:cs typeface="OpenSymbol"/>
-            </a:endParaRPr>
-          </a:p>
-          <a:p>
-            <a:pPr marL="342900" lvl="0" indent="-342900">
-              <a:lnSpc>
-                <a:spcPct val="200000"/>
-              </a:lnSpc>
-              <a:spcAft>
-                <a:spcPts val="600"/>
-              </a:spcAft>
-              <a:buFont typeface="+mj-lt"/>
-              <a:buAutoNum type="arabicPeriod"/>
-              <a:tabLst>
-                <a:tab pos="91440" algn="l"/>
-              </a:tabLst>
-            </a:pPr>
-            <a:r>
-              <a:rPr lang="pl-PL" sz="2000" b="1" kern="150" dirty="0">
-                <a:solidFill>
-                  <a:schemeClr val="bg1"/>
-                </a:solidFill>
-                <a:effectLst/>
-                <a:latin typeface="+mj-lt"/>
-                <a:ea typeface="OpenSymbol"/>
-                <a:cs typeface="Verdana, Verdana"/>
-              </a:rPr>
-              <a:t>Interfejsy </a:t>
-            </a:r>
-            <a:endParaRPr lang="pl-PL" sz="2000" kern="150" dirty="0">
-              <a:solidFill>
-                <a:schemeClr val="bg1"/>
-              </a:solidFill>
-              <a:effectLst/>
-              <a:latin typeface="+mj-lt"/>
-              <a:ea typeface="OpenSymbol"/>
-              <a:cs typeface="OpenSymbol"/>
-            </a:endParaRPr>
-          </a:p>
-          <a:p>
-            <a:pPr marL="342900" lvl="0" indent="-342900">
-              <a:lnSpc>
-                <a:spcPct val="200000"/>
-              </a:lnSpc>
-              <a:spcAft>
-                <a:spcPts val="600"/>
-              </a:spcAft>
-              <a:buFont typeface="+mj-lt"/>
-              <a:buAutoNum type="arabicPeriod"/>
-              <a:tabLst>
-                <a:tab pos="91440" algn="l"/>
-              </a:tabLst>
-            </a:pPr>
-            <a:r>
-              <a:rPr lang="pl-PL" sz="2000" b="1" kern="150" dirty="0">
-                <a:solidFill>
-                  <a:schemeClr val="bg1"/>
-                </a:solidFill>
-                <a:effectLst/>
-                <a:latin typeface="+mj-lt"/>
-                <a:ea typeface="OpenSymbol"/>
-                <a:cs typeface="Verdana, Verdana"/>
-              </a:rPr>
-              <a:t>Wielowątkowość</a:t>
-            </a:r>
-            <a:endParaRPr lang="pl-PL" sz="2000" kern="150" dirty="0">
-              <a:solidFill>
-                <a:schemeClr val="bg1"/>
-              </a:solidFill>
-              <a:effectLst/>
-              <a:latin typeface="+mj-lt"/>
-              <a:ea typeface="OpenSymbol"/>
-              <a:cs typeface="OpenSymbol"/>
-            </a:endParaRPr>
-          </a:p>
-          <a:p>
-            <a:pPr marL="342900" indent="-342900">
-              <a:lnSpc>
-                <a:spcPct val="200000"/>
-              </a:lnSpc>
-              <a:buFont typeface="+mj-lt"/>
-              <a:buAutoNum type="arabicPeriod"/>
-            </a:pPr>
-            <a:r>
-              <a:rPr lang="en-US" sz="2000" b="1" dirty="0" err="1">
-                <a:solidFill>
-                  <a:schemeClr val="bg1"/>
-                </a:solidFill>
-                <a:effectLst/>
-                <a:latin typeface="+mj-lt"/>
-                <a:ea typeface="Droid Sans Fallback"/>
-                <a:cs typeface="Verdana, Verdana"/>
-              </a:rPr>
-              <a:t>Wzorce</a:t>
-            </a:r>
-            <a:r>
-              <a:rPr lang="en-US" sz="2000" b="1" dirty="0">
-                <a:solidFill>
-                  <a:schemeClr val="bg1"/>
-                </a:solidFill>
-                <a:effectLst/>
-                <a:latin typeface="+mj-lt"/>
-                <a:ea typeface="Droid Sans Fallback"/>
-                <a:cs typeface="Verdana, Verdana"/>
-              </a:rPr>
-              <a:t> </a:t>
-            </a:r>
-            <a:r>
-              <a:rPr lang="en-US" sz="2000" b="1" dirty="0" err="1">
-                <a:solidFill>
-                  <a:schemeClr val="bg1"/>
-                </a:solidFill>
-                <a:effectLst/>
-                <a:latin typeface="+mj-lt"/>
-                <a:ea typeface="Droid Sans Fallback"/>
-                <a:cs typeface="Verdana, Verdana"/>
-              </a:rPr>
-              <a:t>projektowe</a:t>
-            </a:r>
-            <a:endParaRPr lang="pl-PL" sz="1800" dirty="0">
-              <a:solidFill>
-                <a:schemeClr val="bg1"/>
-              </a:solidFill>
-              <a:latin typeface="+mj-lt"/>
-            </a:endParaRPr>
-          </a:p>
-        </p:txBody>
-      </p:sp>
-    </p:spTree>
-    <p:extLst>
-      <p:ext uri="{BB962C8B-B14F-4D97-AF65-F5344CB8AC3E}">
-        <p14:creationId xmlns:p14="http://schemas.microsoft.com/office/powerpoint/2010/main" val="4009683948"/>
       </p:ext>
     </p:extLst>
   </p:cSld>
